--- a/China/Yang-etal_2020/FigS2.pptx
+++ b/China/Yang-etal_2020/FigS2.pptx
@@ -4286,19 +4286,376 @@
         </p:nvPicPr>
         <p:blipFill rotWithShape="1">
           <a:blip r:embed="rId2"/>
-          <a:srcRect b="37778"/>
+          <a:srcRect t="43086" r="48887" b="43556"/>
           <a:stretch/>
         </p:blipFill>
         <p:spPr>
           <a:xfrm>
-            <a:off x="1436914" y="-1"/>
-            <a:ext cx="6815199" cy="6744037"/>
+            <a:off x="0" y="0"/>
+            <a:ext cx="10809514" cy="4492704"/>
           </a:xfrm>
           <a:prstGeom prst="rect">
             <a:avLst/>
           </a:prstGeom>
         </p:spPr>
       </p:pic>
+      <p:pic>
+        <p:nvPicPr>
+          <p:cNvPr id="3" name="Picture 2">
+            <a:extLst>
+              <a:ext uri="{FF2B5EF4-FFF2-40B4-BE49-F238E27FC236}">
+                <a16:creationId xmlns:a16="http://schemas.microsoft.com/office/drawing/2014/main" id="{DF356AE5-50DC-6F4D-8BA7-48C3FC361D64}"/>
+              </a:ext>
+            </a:extLst>
+          </p:cNvPr>
+          <p:cNvPicPr>
+            <a:picLocks noChangeAspect="1"/>
+          </p:cNvPicPr>
+          <p:nvPr/>
+        </p:nvPicPr>
+        <p:blipFill rotWithShape="1">
+          <a:blip r:embed="rId2"/>
+          <a:srcRect l="51268" t="45352" r="32724" b="47334"/>
+          <a:stretch/>
+        </p:blipFill>
+        <p:spPr>
+          <a:xfrm>
+            <a:off x="8273144" y="4397829"/>
+            <a:ext cx="3385456" cy="2460171"/>
+          </a:xfrm>
+          <a:prstGeom prst="rect">
+            <a:avLst/>
+          </a:prstGeom>
+        </p:spPr>
+      </p:pic>
+      <p:cxnSp>
+        <p:nvCxnSpPr>
+          <p:cNvPr id="4" name="Straight Connector 3">
+            <a:extLst>
+              <a:ext uri="{FF2B5EF4-FFF2-40B4-BE49-F238E27FC236}">
+                <a16:creationId xmlns:a16="http://schemas.microsoft.com/office/drawing/2014/main" id="{7B546D28-A378-D746-B6CF-3F6EB8FCD882}"/>
+              </a:ext>
+            </a:extLst>
+          </p:cNvPr>
+          <p:cNvCxnSpPr/>
+          <p:nvPr/>
+        </p:nvCxnSpPr>
+        <p:spPr>
+          <a:xfrm>
+            <a:off x="3505201" y="2536374"/>
+            <a:ext cx="7554686" cy="0"/>
+          </a:xfrm>
+          <a:prstGeom prst="line">
+            <a:avLst/>
+          </a:prstGeom>
+          <a:ln w="12700">
+            <a:solidFill>
+              <a:srgbClr val="FF0000"/>
+            </a:solidFill>
+          </a:ln>
+        </p:spPr>
+        <p:style>
+          <a:lnRef idx="1">
+            <a:schemeClr val="accent1"/>
+          </a:lnRef>
+          <a:fillRef idx="0">
+            <a:schemeClr val="accent1"/>
+          </a:fillRef>
+          <a:effectRef idx="0">
+            <a:schemeClr val="accent1"/>
+          </a:effectRef>
+          <a:fontRef idx="minor">
+            <a:schemeClr val="tx1"/>
+          </a:fontRef>
+        </p:style>
+      </p:cxnSp>
+      <p:cxnSp>
+        <p:nvCxnSpPr>
+          <p:cNvPr id="6" name="Straight Connector 5">
+            <a:extLst>
+              <a:ext uri="{FF2B5EF4-FFF2-40B4-BE49-F238E27FC236}">
+                <a16:creationId xmlns:a16="http://schemas.microsoft.com/office/drawing/2014/main" id="{0F2E8514-4F8A-2A4B-9166-707105A1488C}"/>
+              </a:ext>
+            </a:extLst>
+          </p:cNvPr>
+          <p:cNvCxnSpPr/>
+          <p:nvPr/>
+        </p:nvCxnSpPr>
+        <p:spPr>
+          <a:xfrm>
+            <a:off x="3483429" y="2275112"/>
+            <a:ext cx="7554686" cy="0"/>
+          </a:xfrm>
+          <a:prstGeom prst="line">
+            <a:avLst/>
+          </a:prstGeom>
+          <a:ln w="38100">
+            <a:solidFill>
+              <a:srgbClr val="FF0000"/>
+            </a:solidFill>
+          </a:ln>
+        </p:spPr>
+        <p:style>
+          <a:lnRef idx="1">
+            <a:schemeClr val="accent1"/>
+          </a:lnRef>
+          <a:fillRef idx="0">
+            <a:schemeClr val="accent1"/>
+          </a:fillRef>
+          <a:effectRef idx="0">
+            <a:schemeClr val="accent1"/>
+          </a:effectRef>
+          <a:fontRef idx="minor">
+            <a:schemeClr val="tx1"/>
+          </a:fontRef>
+        </p:style>
+      </p:cxnSp>
+      <p:cxnSp>
+        <p:nvCxnSpPr>
+          <p:cNvPr id="7" name="Straight Connector 6">
+            <a:extLst>
+              <a:ext uri="{FF2B5EF4-FFF2-40B4-BE49-F238E27FC236}">
+                <a16:creationId xmlns:a16="http://schemas.microsoft.com/office/drawing/2014/main" id="{5060B7DF-85CE-6447-BAB9-22C86F847812}"/>
+              </a:ext>
+            </a:extLst>
+          </p:cNvPr>
+          <p:cNvCxnSpPr/>
+          <p:nvPr/>
+        </p:nvCxnSpPr>
+        <p:spPr>
+          <a:xfrm>
+            <a:off x="3450773" y="2797634"/>
+            <a:ext cx="7554686" cy="0"/>
+          </a:xfrm>
+          <a:prstGeom prst="line">
+            <a:avLst/>
+          </a:prstGeom>
+          <a:ln w="12700">
+            <a:solidFill>
+              <a:srgbClr val="FF0000"/>
+            </a:solidFill>
+          </a:ln>
+        </p:spPr>
+        <p:style>
+          <a:lnRef idx="1">
+            <a:schemeClr val="accent1"/>
+          </a:lnRef>
+          <a:fillRef idx="0">
+            <a:schemeClr val="accent1"/>
+          </a:fillRef>
+          <a:effectRef idx="0">
+            <a:schemeClr val="accent1"/>
+          </a:effectRef>
+          <a:fontRef idx="minor">
+            <a:schemeClr val="tx1"/>
+          </a:fontRef>
+        </p:style>
+      </p:cxnSp>
+      <p:cxnSp>
+        <p:nvCxnSpPr>
+          <p:cNvPr id="8" name="Straight Connector 7">
+            <a:extLst>
+              <a:ext uri="{FF2B5EF4-FFF2-40B4-BE49-F238E27FC236}">
+                <a16:creationId xmlns:a16="http://schemas.microsoft.com/office/drawing/2014/main" id="{CE565689-8F87-0D4D-BD03-135087737AF1}"/>
+              </a:ext>
+            </a:extLst>
+          </p:cNvPr>
+          <p:cNvCxnSpPr/>
+          <p:nvPr/>
+        </p:nvCxnSpPr>
+        <p:spPr>
+          <a:xfrm>
+            <a:off x="3407230" y="2024742"/>
+            <a:ext cx="7554686" cy="0"/>
+          </a:xfrm>
+          <a:prstGeom prst="line">
+            <a:avLst/>
+          </a:prstGeom>
+          <a:ln w="12700">
+            <a:solidFill>
+              <a:srgbClr val="FF0000"/>
+            </a:solidFill>
+          </a:ln>
+        </p:spPr>
+        <p:style>
+          <a:lnRef idx="1">
+            <a:schemeClr val="accent1"/>
+          </a:lnRef>
+          <a:fillRef idx="0">
+            <a:schemeClr val="accent1"/>
+          </a:fillRef>
+          <a:effectRef idx="0">
+            <a:schemeClr val="accent1"/>
+          </a:effectRef>
+          <a:fontRef idx="minor">
+            <a:schemeClr val="tx1"/>
+          </a:fontRef>
+        </p:style>
+      </p:cxnSp>
+      <p:cxnSp>
+        <p:nvCxnSpPr>
+          <p:cNvPr id="9" name="Straight Connector 8">
+            <a:extLst>
+              <a:ext uri="{FF2B5EF4-FFF2-40B4-BE49-F238E27FC236}">
+                <a16:creationId xmlns:a16="http://schemas.microsoft.com/office/drawing/2014/main" id="{D4133585-C555-9A47-906D-F32C89D419E3}"/>
+              </a:ext>
+            </a:extLst>
+          </p:cNvPr>
+          <p:cNvCxnSpPr/>
+          <p:nvPr/>
+        </p:nvCxnSpPr>
+        <p:spPr>
+          <a:xfrm>
+            <a:off x="3222171" y="3037118"/>
+            <a:ext cx="7554686" cy="0"/>
+          </a:xfrm>
+          <a:prstGeom prst="line">
+            <a:avLst/>
+          </a:prstGeom>
+          <a:ln w="12700">
+            <a:solidFill>
+              <a:srgbClr val="FF0000"/>
+            </a:solidFill>
+          </a:ln>
+        </p:spPr>
+        <p:style>
+          <a:lnRef idx="1">
+            <a:schemeClr val="accent1"/>
+          </a:lnRef>
+          <a:fillRef idx="0">
+            <a:schemeClr val="accent1"/>
+          </a:fillRef>
+          <a:effectRef idx="0">
+            <a:schemeClr val="accent1"/>
+          </a:effectRef>
+          <a:fontRef idx="minor">
+            <a:schemeClr val="tx1"/>
+          </a:fontRef>
+        </p:style>
+      </p:cxnSp>
+      <p:cxnSp>
+        <p:nvCxnSpPr>
+          <p:cNvPr id="10" name="Straight Connector 9">
+            <a:extLst>
+              <a:ext uri="{FF2B5EF4-FFF2-40B4-BE49-F238E27FC236}">
+                <a16:creationId xmlns:a16="http://schemas.microsoft.com/office/drawing/2014/main" id="{45D2E117-2089-9C4F-97B9-193EDD0EF358}"/>
+              </a:ext>
+            </a:extLst>
+          </p:cNvPr>
+          <p:cNvCxnSpPr/>
+          <p:nvPr/>
+        </p:nvCxnSpPr>
+        <p:spPr>
+          <a:xfrm>
+            <a:off x="3418115" y="3298375"/>
+            <a:ext cx="7554686" cy="0"/>
+          </a:xfrm>
+          <a:prstGeom prst="line">
+            <a:avLst/>
+          </a:prstGeom>
+          <a:ln w="12700">
+            <a:solidFill>
+              <a:srgbClr val="FF0000"/>
+            </a:solidFill>
+          </a:ln>
+        </p:spPr>
+        <p:style>
+          <a:lnRef idx="1">
+            <a:schemeClr val="accent1"/>
+          </a:lnRef>
+          <a:fillRef idx="0">
+            <a:schemeClr val="accent1"/>
+          </a:fillRef>
+          <a:effectRef idx="0">
+            <a:schemeClr val="accent1"/>
+          </a:effectRef>
+          <a:fontRef idx="minor">
+            <a:schemeClr val="tx1"/>
+          </a:fontRef>
+        </p:style>
+      </p:cxnSp>
+      <p:cxnSp>
+        <p:nvCxnSpPr>
+          <p:cNvPr id="11" name="Straight Connector 10">
+            <a:extLst>
+              <a:ext uri="{FF2B5EF4-FFF2-40B4-BE49-F238E27FC236}">
+                <a16:creationId xmlns:a16="http://schemas.microsoft.com/office/drawing/2014/main" id="{AC2195EF-C67C-CD45-86F5-01166C622FDA}"/>
+              </a:ext>
+            </a:extLst>
+          </p:cNvPr>
+          <p:cNvCxnSpPr/>
+          <p:nvPr/>
+        </p:nvCxnSpPr>
+        <p:spPr>
+          <a:xfrm>
+            <a:off x="3243943" y="1785260"/>
+            <a:ext cx="7554686" cy="0"/>
+          </a:xfrm>
+          <a:prstGeom prst="line">
+            <a:avLst/>
+          </a:prstGeom>
+          <a:ln w="12700">
+            <a:solidFill>
+              <a:srgbClr val="FF0000"/>
+            </a:solidFill>
+          </a:ln>
+        </p:spPr>
+        <p:style>
+          <a:lnRef idx="1">
+            <a:schemeClr val="accent1"/>
+          </a:lnRef>
+          <a:fillRef idx="0">
+            <a:schemeClr val="accent1"/>
+          </a:fillRef>
+          <a:effectRef idx="0">
+            <a:schemeClr val="accent1"/>
+          </a:effectRef>
+          <a:fontRef idx="minor">
+            <a:schemeClr val="tx1"/>
+          </a:fontRef>
+        </p:style>
+      </p:cxnSp>
+      <p:cxnSp>
+        <p:nvCxnSpPr>
+          <p:cNvPr id="12" name="Straight Connector 11">
+            <a:extLst>
+              <a:ext uri="{FF2B5EF4-FFF2-40B4-BE49-F238E27FC236}">
+                <a16:creationId xmlns:a16="http://schemas.microsoft.com/office/drawing/2014/main" id="{0324F56D-9A1E-BB4D-A3B5-A9A6A2C07CA2}"/>
+              </a:ext>
+            </a:extLst>
+          </p:cNvPr>
+          <p:cNvCxnSpPr/>
+          <p:nvPr/>
+        </p:nvCxnSpPr>
+        <p:spPr>
+          <a:xfrm>
+            <a:off x="3483430" y="1513117"/>
+            <a:ext cx="7554686" cy="0"/>
+          </a:xfrm>
+          <a:prstGeom prst="line">
+            <a:avLst/>
+          </a:prstGeom>
+          <a:ln w="12700">
+            <a:solidFill>
+              <a:srgbClr val="FF0000"/>
+            </a:solidFill>
+          </a:ln>
+        </p:spPr>
+        <p:style>
+          <a:lnRef idx="1">
+            <a:schemeClr val="accent1"/>
+          </a:lnRef>
+          <a:fillRef idx="0">
+            <a:schemeClr val="accent1"/>
+          </a:fillRef>
+          <a:effectRef idx="0">
+            <a:schemeClr val="accent1"/>
+          </a:effectRef>
+          <a:fontRef idx="minor">
+            <a:schemeClr val="tx1"/>
+          </a:fontRef>
+        </p:style>
+      </p:cxnSp>
     </p:spTree>
     <p:extLst>
       <p:ext uri="{BB962C8B-B14F-4D97-AF65-F5344CB8AC3E}">
